--- a/example.pptx
+++ b/example.pptx
@@ -105,6 +105,11 @@
       </a:defRPr>
     </a:lvl9pPr>
   </p:defaultTextStyle>
+  <p:extLst>
+    <p:ext uri="{EFAFB233-063F-42B5-8137-9DF3F51BA10A}">
+      <p15:sldGuideLst xmlns:p15="http://schemas.microsoft.com/office/powerpoint/2012/main"/>
+    </p:ext>
+  </p:extLst>
 </p:presentation>
 </file>
 
@@ -20903,7 +20908,31 @@
           <a:p>
             <a:r>
               <a:rPr kumimoji="1" lang="en-US" altLang="ja-JP" dirty="0" smtClean="0"/>
-              <a:t>Hello</a:t>
+              <a:t>Nice</a:t>
+            </a:r>
+            <a:r>
+              <a:rPr kumimoji="1" lang="ja-JP" altLang="en-US" dirty="0" smtClean="0"/>
+              <a:t> </a:t>
+            </a:r>
+            <a:r>
+              <a:rPr kumimoji="1" lang="en-US" altLang="ja-JP" dirty="0" smtClean="0"/>
+              <a:t>TO</a:t>
+            </a:r>
+            <a:r>
+              <a:rPr kumimoji="1" lang="ja-JP" altLang="en-US" dirty="0" smtClean="0"/>
+              <a:t> </a:t>
+            </a:r>
+            <a:r>
+              <a:rPr kumimoji="1" lang="en-US" altLang="ja-JP" dirty="0" smtClean="0"/>
+              <a:t>MEET</a:t>
+            </a:r>
+            <a:r>
+              <a:rPr kumimoji="1" lang="ja-JP" altLang="en-US" dirty="0" smtClean="0"/>
+              <a:t> </a:t>
+            </a:r>
+            <a:r>
+              <a:rPr kumimoji="1" lang="en-US" altLang="ja-JP" dirty="0" smtClean="0"/>
+              <a:t>YOU</a:t>
             </a:r>
             <a:r>
               <a:rPr lang="en-US" altLang="ja-JP" dirty="0" smtClean="0"/>
@@ -20930,7 +20959,7 @@
           <a:p>
             <a:r>
               <a:rPr kumimoji="1" lang="en-US" altLang="ja-JP" dirty="0" smtClean="0"/>
-              <a:t>example</a:t>
+              <a:t>This is example</a:t>
             </a:r>
             <a:endParaRPr kumimoji="1" lang="ja-JP" altLang="en-US" dirty="0"/>
           </a:p>
@@ -20982,8 +21011,12 @@
           <a:lstStyle/>
           <a:p>
             <a:r>
+              <a:rPr lang="ja-JP" altLang="en-US" dirty="0"/>
+              <a:t>いいね</a:t>
+            </a:r>
+            <a:r>
               <a:rPr kumimoji="1" lang="en-US" altLang="ja-JP" dirty="0" smtClean="0"/>
-              <a:t>Good!!</a:t>
+              <a:t>!!</a:t>
             </a:r>
             <a:endParaRPr kumimoji="1" lang="ja-JP" altLang="en-US" dirty="0"/>
           </a:p>
@@ -21005,8 +21038,8 @@
           <a:lstStyle/>
           <a:p>
             <a:r>
-              <a:rPr kumimoji="1" lang="ja-JP" altLang="en-US" dirty="0" smtClean="0"/>
-              <a:t>いいね</a:t>
+              <a:rPr kumimoji="1" lang="en-US" altLang="ja-JP" dirty="0" smtClean="0"/>
+              <a:t>Good</a:t>
             </a:r>
             <a:endParaRPr kumimoji="1" lang="en-US" altLang="ja-JP" dirty="0" smtClean="0"/>
           </a:p>
@@ -21082,8 +21115,12 @@
           <a:lstStyle/>
           <a:p>
             <a:r>
+              <a:rPr kumimoji="1" lang="en-US" altLang="ja-JP" dirty="0" err="1" smtClean="0"/>
+              <a:t>Excellect</a:t>
+            </a:r>
+            <a:r>
               <a:rPr kumimoji="1" lang="en-US" altLang="ja-JP" dirty="0" smtClean="0"/>
-              <a:t>Wow!!!</a:t>
+              <a:t>!!!</a:t>
             </a:r>
             <a:endParaRPr kumimoji="1" lang="ja-JP" altLang="en-US" dirty="0"/>
           </a:p>
